--- a/11-15 rounds/Something Wicked - 12 rounds - Comstock/Something Wicked.pptx
+++ b/11-15 rounds/Something Wicked - 12 rounds - Comstock/Something Wicked.pptx
@@ -259,7 +259,7 @@
               <a:pPr>
                 <a:defRPr/>
               </a:pPr>
-              <a:t>8/30/2019</a:t>
+              <a:t>9/5/2019</a:t>
             </a:fld>
             <a:endParaRPr lang="en-US"/>
           </a:p>
